--- a/Day_5/Lectures/Course Summary.pptx
+++ b/Day_5/Lectures/Course Summary.pptx
@@ -21036,44 +21036,44 @@
 </file>
 
 <file path=ppt/theme/theme2.xml><?xml version="1.0" encoding="utf-8"?>
-<a:theme xmlns:a="http://schemas.openxmlformats.org/drawingml/2006/main" xmlns:r="http://schemas.openxmlformats.org/officeDocument/2006/relationships" name="Geometric">
+<a:theme xmlns:a="http://schemas.openxmlformats.org/drawingml/2006/main" xmlns:r="http://schemas.openxmlformats.org/officeDocument/2006/relationships" name="Simple Light">
   <a:themeElements>
-    <a:clrScheme name="Geometric">
+    <a:clrScheme name="Simple Light">
       <a:dk1>
-        <a:srgbClr val="2A3990"/>
+        <a:srgbClr val="000000"/>
       </a:dk1>
       <a:lt1>
         <a:srgbClr val="FFFFFF"/>
       </a:lt1>
       <a:dk2>
-        <a:srgbClr val="434343"/>
+        <a:srgbClr val="595959"/>
       </a:dk2>
       <a:lt2>
-        <a:srgbClr val="999999"/>
+        <a:srgbClr val="EEEEEE"/>
       </a:lt2>
       <a:accent1>
-        <a:srgbClr val="212D74"/>
+        <a:srgbClr val="4285F4"/>
       </a:accent1>
       <a:accent2>
-        <a:srgbClr val="3949AB"/>
+        <a:srgbClr val="212121"/>
       </a:accent2>
       <a:accent3>
-        <a:srgbClr val="9C254D"/>
+        <a:srgbClr val="78909C"/>
       </a:accent3>
       <a:accent4>
-        <a:srgbClr val="D23369"/>
+        <a:srgbClr val="FFAB40"/>
       </a:accent4>
       <a:accent5>
-        <a:srgbClr val="F06292"/>
+        <a:srgbClr val="0097A7"/>
       </a:accent5>
       <a:accent6>
-        <a:srgbClr val="7890CD"/>
+        <a:srgbClr val="EEFF41"/>
       </a:accent6>
       <a:hlink>
-        <a:srgbClr val="F06292"/>
+        <a:srgbClr val="0097A7"/>
       </a:hlink>
       <a:folHlink>
-        <a:srgbClr val="F06292"/>
+        <a:srgbClr val="0097A7"/>
       </a:folHlink>
     </a:clrScheme>
     <a:fontScheme name="Office">
@@ -21315,44 +21315,44 @@
 </file>
 
 <file path=ppt/theme/theme3.xml><?xml version="1.0" encoding="utf-8"?>
-<a:theme xmlns:a="http://schemas.openxmlformats.org/drawingml/2006/main" xmlns:r="http://schemas.openxmlformats.org/officeDocument/2006/relationships" name="Simple Light">
+<a:theme xmlns:a="http://schemas.openxmlformats.org/drawingml/2006/main" xmlns:r="http://schemas.openxmlformats.org/officeDocument/2006/relationships" name="Geometric">
   <a:themeElements>
-    <a:clrScheme name="Simple Light">
+    <a:clrScheme name="Geometric">
       <a:dk1>
-        <a:srgbClr val="000000"/>
+        <a:srgbClr val="2A3990"/>
       </a:dk1>
       <a:lt1>
         <a:srgbClr val="FFFFFF"/>
       </a:lt1>
       <a:dk2>
-        <a:srgbClr val="595959"/>
+        <a:srgbClr val="434343"/>
       </a:dk2>
       <a:lt2>
-        <a:srgbClr val="EEEEEE"/>
+        <a:srgbClr val="999999"/>
       </a:lt2>
       <a:accent1>
-        <a:srgbClr val="4285F4"/>
+        <a:srgbClr val="212D74"/>
       </a:accent1>
       <a:accent2>
-        <a:srgbClr val="212121"/>
+        <a:srgbClr val="3949AB"/>
       </a:accent2>
       <a:accent3>
-        <a:srgbClr val="78909C"/>
+        <a:srgbClr val="9C254D"/>
       </a:accent3>
       <a:accent4>
-        <a:srgbClr val="FFAB40"/>
+        <a:srgbClr val="D23369"/>
       </a:accent4>
       <a:accent5>
-        <a:srgbClr val="0097A7"/>
+        <a:srgbClr val="F06292"/>
       </a:accent5>
       <a:accent6>
-        <a:srgbClr val="EEFF41"/>
+        <a:srgbClr val="7890CD"/>
       </a:accent6>
       <a:hlink>
-        <a:srgbClr val="0097A7"/>
+        <a:srgbClr val="F06292"/>
       </a:hlink>
       <a:folHlink>
-        <a:srgbClr val="0097A7"/>
+        <a:srgbClr val="F06292"/>
       </a:folHlink>
     </a:clrScheme>
     <a:fontScheme name="Office">
